--- a/presentations/DNdataflowIntro.pptx
+++ b/presentations/DNdataflowIntro.pptx
@@ -5334,12 +5334,9 @@
   <p:cSld>
     <p:bg>
       <p:bgPr>
-        <a:blipFill rotWithShape="1">
-          <a:blip r:embed="rId2"/>
-          <a:stretch>
-            <a:fillRect/>
-          </a:stretch>
-        </a:blipFill>
+        <a:solidFill>
+          <a:schemeClr val="tx1"/>
+        </a:solidFill>
         <a:effectLst/>
       </p:bgPr>
     </p:bg>
@@ -5359,92 +5356,201 @@
       </p:grpSpPr>
       <p:sp>
         <p:nvSpPr>
-          <p:cNvPr id="4" name="Rectangle 3"/>
-          <p:cNvSpPr/>
+          <p:cNvPr id="6" name="TextBox 5"/>
+          <p:cNvSpPr txBox="1"/>
           <p:nvPr/>
         </p:nvSpPr>
         <p:spPr>
           <a:xfrm>
-            <a:off x="0" y="4793985"/>
-            <a:ext cx="9144000" cy="2064015"/>
+            <a:off x="1859228" y="617441"/>
+            <a:ext cx="5277810" cy="769441"/>
           </a:xfrm>
           <a:prstGeom prst="rect">
             <a:avLst/>
           </a:prstGeom>
-          <a:solidFill>
-            <a:srgbClr val="008000"/>
-          </a:solidFill>
+          <a:noFill/>
         </p:spPr>
-        <p:style>
-          <a:lnRef idx="1">
-            <a:schemeClr val="accent1"/>
-          </a:lnRef>
-          <a:fillRef idx="3">
-            <a:schemeClr val="accent1"/>
-          </a:fillRef>
-          <a:effectRef idx="2">
-            <a:schemeClr val="accent1"/>
-          </a:effectRef>
-          <a:fontRef idx="minor">
-            <a:schemeClr val="lt1"/>
-          </a:fontRef>
-        </p:style>
-        <p:txBody>
-          <a:bodyPr rtlCol="0" anchor="ctr"/>
-          <a:lstStyle/>
-          <a:p>
-            <a:pPr algn="ctr"/>
-            <a:r>
-              <a:rPr lang="en-US" sz="4000" dirty="0">
+        <p:txBody>
+          <a:bodyPr wrap="square" rtlCol="0">
+            <a:spAutoFit/>
+          </a:bodyPr>
+          <a:lstStyle/>
+          <a:p>
+            <a:r>
+              <a:rPr lang="en-US" sz="4400" dirty="0" smtClean="0">
                 <a:solidFill>
-                  <a:schemeClr val="tx1"/>
+                  <a:schemeClr val="bg1"/>
+                </a:solidFill>
+                <a:latin typeface="Avenir Next Demi Bold"/>
+                <a:cs typeface="Avenir Next Demi Bold"/>
+              </a:rPr>
+              <a:t>‘</a:t>
+            </a:r>
+            <a:r>
+              <a:rPr lang="en-US" sz="4400" dirty="0" err="1" smtClean="0">
+                <a:solidFill>
+                  <a:schemeClr val="bg1"/>
+                </a:solidFill>
+                <a:latin typeface="Avenir Next Demi Bold"/>
+                <a:cs typeface="Avenir Next Demi Bold"/>
+              </a:rPr>
+              <a:t>git</a:t>
+            </a:r>
+            <a:r>
+              <a:rPr lang="en-US" sz="4400" dirty="0" smtClean="0">
+                <a:solidFill>
+                  <a:schemeClr val="bg1"/>
+                </a:solidFill>
+                <a:latin typeface="Avenir Next Demi Bold"/>
+                <a:cs typeface="Avenir Next Demi Bold"/>
+              </a:rPr>
+              <a:t>’ IT ON </a:t>
+            </a:r>
+            <a:r>
+              <a:rPr lang="en-US" sz="4400" dirty="0" smtClean="0">
+                <a:solidFill>
+                  <a:srgbClr val="008000"/>
+                </a:solidFill>
+                <a:latin typeface="Avenir Next Demi Bold"/>
+                <a:cs typeface="Avenir Next Demi Bold"/>
+              </a:rPr>
+              <a:t>GITHUB</a:t>
+            </a:r>
+            <a:endParaRPr lang="en-US" sz="4400" dirty="0">
+              <a:solidFill>
+                <a:srgbClr val="008000"/>
+              </a:solidFill>
+              <a:latin typeface="Avenir Next Demi Bold"/>
+              <a:cs typeface="Avenir Next Demi Bold"/>
+            </a:endParaRPr>
+          </a:p>
+        </p:txBody>
+      </p:sp>
+      <p:pic>
+        <p:nvPicPr>
+          <p:cNvPr id="8" name="Picture 7" descr="Screen Shot 2017-01-01 at 4.08.41 PM.png"/>
+          <p:cNvPicPr>
+            <a:picLocks noChangeAspect="1"/>
+          </p:cNvPicPr>
+          <p:nvPr/>
+        </p:nvPicPr>
+        <p:blipFill>
+          <a:blip r:embed="rId2">
+            <a:extLst>
+              <a:ext uri="{28A0092B-C50C-407E-A947-70E740481C1C}">
+                <a14:useLocalDpi xmlns:a14="http://schemas.microsoft.com/office/drawing/2010/main" val="0"/>
+              </a:ext>
+            </a:extLst>
+          </a:blip>
+          <a:stretch>
+            <a:fillRect/>
+          </a:stretch>
+        </p:blipFill>
+        <p:spPr>
+          <a:xfrm>
+            <a:off x="33969" y="1570308"/>
+            <a:ext cx="4165600" cy="3810000"/>
+          </a:xfrm>
+          <a:prstGeom prst="ellipse">
+            <a:avLst/>
+          </a:prstGeom>
+          <a:ln w="190500" cap="rnd">
+            <a:solidFill>
+              <a:srgbClr val="008000"/>
+            </a:solidFill>
+            <a:prstDash val="solid"/>
+          </a:ln>
+          <a:effectLst>
+            <a:outerShdw blurRad="127000" algn="bl" rotWithShape="0">
+              <a:srgbClr val="000000"/>
+            </a:outerShdw>
+          </a:effectLst>
+          <a:scene3d>
+            <a:camera prst="perspectiveFront" fov="5400000"/>
+            <a:lightRig rig="threePt" dir="t">
+              <a:rot lat="0" lon="0" rev="19200000"/>
+            </a:lightRig>
+          </a:scene3d>
+          <a:sp3d extrusionH="25400">
+            <a:bevelT w="304800" h="152400" prst="hardEdge"/>
+            <a:extrusionClr>
+              <a:srgbClr val="000000"/>
+            </a:extrusionClr>
+          </a:sp3d>
+        </p:spPr>
+      </p:pic>
+      <p:sp>
+        <p:nvSpPr>
+          <p:cNvPr id="9" name="Rectangle 8"/>
+          <p:cNvSpPr/>
+          <p:nvPr/>
+        </p:nvSpPr>
+        <p:spPr>
+          <a:xfrm>
+            <a:off x="2259383" y="5411506"/>
+            <a:ext cx="6884617" cy="584776"/>
+          </a:xfrm>
+          <a:prstGeom prst="rect">
+            <a:avLst/>
+          </a:prstGeom>
+        </p:spPr>
+        <p:txBody>
+          <a:bodyPr wrap="none">
+            <a:spAutoFit/>
+          </a:bodyPr>
+          <a:lstStyle/>
+          <a:p>
+            <a:r>
+              <a:rPr lang="en-US" sz="3200" dirty="0">
+                <a:solidFill>
+                  <a:schemeClr val="bg1"/>
                 </a:solidFill>
               </a:rPr>
               <a:t>https://</a:t>
             </a:r>
             <a:r>
-              <a:rPr lang="en-US" sz="4000" dirty="0" err="1">
+              <a:rPr lang="en-US" sz="3200" dirty="0" err="1">
                 <a:solidFill>
-                  <a:schemeClr val="tx1"/>
+                  <a:schemeClr val="bg1"/>
                 </a:solidFill>
               </a:rPr>
               <a:t>github.com</a:t>
             </a:r>
             <a:r>
-              <a:rPr lang="en-US" sz="4000" dirty="0">
+              <a:rPr lang="en-US" sz="3200" dirty="0">
                 <a:solidFill>
-                  <a:schemeClr val="tx1"/>
+                  <a:schemeClr val="bg1"/>
                 </a:solidFill>
               </a:rPr>
               <a:t>/</a:t>
             </a:r>
             <a:r>
-              <a:rPr lang="en-US" sz="4000" dirty="0" err="1">
+              <a:rPr lang="en-US" sz="3200" dirty="0" err="1">
                 <a:solidFill>
-                  <a:schemeClr val="tx1"/>
+                  <a:schemeClr val="bg1"/>
                 </a:solidFill>
               </a:rPr>
               <a:t>cppwfs</a:t>
             </a:r>
             <a:r>
-              <a:rPr lang="en-US" sz="4000" dirty="0">
+              <a:rPr lang="en-US" sz="3200" dirty="0">
                 <a:solidFill>
-                  <a:schemeClr val="tx1"/>
+                  <a:schemeClr val="bg1"/>
                 </a:solidFill>
               </a:rPr>
               <a:t>/</a:t>
             </a:r>
             <a:r>
-              <a:rPr lang="en-US" sz="4000" dirty="0" err="1">
+              <a:rPr lang="en-US" sz="3200" dirty="0" err="1">
                 <a:solidFill>
-                  <a:schemeClr val="tx1"/>
+                  <a:schemeClr val="bg1"/>
                 </a:solidFill>
               </a:rPr>
               <a:t>DNDataflow</a:t>
             </a:r>
-            <a:endParaRPr lang="en-US" sz="4000" dirty="0">
+            <a:endParaRPr lang="en-US" sz="3200" dirty="0">
               <a:solidFill>
-                <a:schemeClr val="tx1"/>
+                <a:schemeClr val="bg1"/>
               </a:solidFill>
             </a:endParaRPr>
           </a:p>

--- a/presentations/DNdataflowIntro.pptx
+++ b/presentations/DNdataflowIntro.pptx
@@ -17,8 +17,8 @@
     <p:sldId id="265" r:id="rId8"/>
     <p:sldId id="259" r:id="rId9"/>
     <p:sldId id="267" r:id="rId10"/>
-    <p:sldId id="260" r:id="rId11"/>
-    <p:sldId id="261" r:id="rId12"/>
+    <p:sldId id="261" r:id="rId11"/>
+    <p:sldId id="269" r:id="rId12"/>
     <p:sldId id="262" r:id="rId13"/>
   </p:sldIdLst>
   <p:sldSz cx="9144000" cy="6858000" type="screen4x3"/>
@@ -203,7 +203,7 @@
           <a:p>
             <a:fld id="{547BB52C-7502-744E-927A-D9644DBA1748}" type="datetimeFigureOut">
               <a:rPr lang="en-US" smtClean="0"/>
-              <a:t>12/30/16</a:t>
+              <a:t>1/2/17</a:t>
             </a:fld>
             <a:endParaRPr lang="en-US"/>
           </a:p>
@@ -1266,6 +1266,360 @@
           <a:bodyPr/>
           <a:lstStyle/>
           <a:p>
+            <a:pPr marL="171450" marR="0" lvl="0" indent="-171450" algn="l" defTabSz="457200" rtl="0" eaLnBrk="1" fontAlgn="auto" latinLnBrk="0" hangingPunct="1">
+              <a:lnSpc>
+                <a:spcPct val="100000"/>
+              </a:lnSpc>
+              <a:spcBef>
+                <a:spcPts val="0"/>
+              </a:spcBef>
+              <a:spcAft>
+                <a:spcPts val="0"/>
+              </a:spcAft>
+              <a:buClrTx/>
+              <a:buSzTx/>
+              <a:buFont typeface="Arial"/>
+              <a:buChar char="•"/>
+              <a:tabLst/>
+              <a:defRPr/>
+            </a:pPr>
+            <a:r>
+              <a:rPr lang="en-US" baseline="0" dirty="0" smtClean="0"/>
+              <a:t>Stream processing is basically to analyzing and acting on streaming data from real-time data sources or continuous queries. </a:t>
+            </a:r>
+          </a:p>
+          <a:p>
+            <a:pPr marL="628650" marR="0" lvl="1" indent="-171450" algn="l" defTabSz="457200" rtl="0" eaLnBrk="1" fontAlgn="auto" latinLnBrk="0" hangingPunct="1">
+              <a:lnSpc>
+                <a:spcPct val="100000"/>
+              </a:lnSpc>
+              <a:spcBef>
+                <a:spcPts val="0"/>
+              </a:spcBef>
+              <a:spcAft>
+                <a:spcPts val="0"/>
+              </a:spcAft>
+              <a:buClrTx/>
+              <a:buSzTx/>
+              <a:buFont typeface="Arial"/>
+              <a:buChar char="•"/>
+              <a:tabLst/>
+              <a:defRPr/>
+            </a:pPr>
+            <a:r>
+              <a:rPr lang="en-US" baseline="0" dirty="0" smtClean="0"/>
+              <a:t>Sensors,</a:t>
+            </a:r>
+          </a:p>
+          <a:p>
+            <a:pPr marL="628650" marR="0" lvl="1" indent="-171450" algn="l" defTabSz="457200" rtl="0" eaLnBrk="1" fontAlgn="auto" latinLnBrk="0" hangingPunct="1">
+              <a:lnSpc>
+                <a:spcPct val="100000"/>
+              </a:lnSpc>
+              <a:spcBef>
+                <a:spcPts val="0"/>
+              </a:spcBef>
+              <a:spcAft>
+                <a:spcPts val="0"/>
+              </a:spcAft>
+              <a:buClrTx/>
+              <a:buSzTx/>
+              <a:buFont typeface="Arial"/>
+              <a:buChar char="•"/>
+              <a:tabLst/>
+              <a:defRPr/>
+            </a:pPr>
+            <a:r>
+              <a:rPr lang="en-US" baseline="0" dirty="0" smtClean="0"/>
+              <a:t>Logs</a:t>
+            </a:r>
+          </a:p>
+          <a:p>
+            <a:pPr marL="628650" marR="0" lvl="1" indent="-171450" algn="l" defTabSz="457200" rtl="0" eaLnBrk="1" fontAlgn="auto" latinLnBrk="0" hangingPunct="1">
+              <a:lnSpc>
+                <a:spcPct val="100000"/>
+              </a:lnSpc>
+              <a:spcBef>
+                <a:spcPts val="0"/>
+              </a:spcBef>
+              <a:spcAft>
+                <a:spcPts val="0"/>
+              </a:spcAft>
+              <a:buClrTx/>
+              <a:buSzTx/>
+              <a:buFont typeface="Arial"/>
+              <a:buChar char="•"/>
+              <a:tabLst/>
+              <a:defRPr/>
+            </a:pPr>
+            <a:r>
+              <a:rPr lang="en-US" baseline="0" dirty="0" smtClean="0"/>
+              <a:t>Social Media</a:t>
+            </a:r>
+          </a:p>
+          <a:p>
+            <a:pPr marL="628650" marR="0" lvl="1" indent="-171450" algn="l" defTabSz="457200" rtl="0" eaLnBrk="1" fontAlgn="auto" latinLnBrk="0" hangingPunct="1">
+              <a:lnSpc>
+                <a:spcPct val="100000"/>
+              </a:lnSpc>
+              <a:spcBef>
+                <a:spcPts val="0"/>
+              </a:spcBef>
+              <a:spcAft>
+                <a:spcPts val="0"/>
+              </a:spcAft>
+              <a:buClrTx/>
+              <a:buSzTx/>
+              <a:buFont typeface="Arial"/>
+              <a:buChar char="•"/>
+              <a:tabLst/>
+              <a:defRPr/>
+            </a:pPr>
+            <a:r>
+              <a:rPr lang="en-US" baseline="0" dirty="0" err="1" smtClean="0"/>
+              <a:t>Etc</a:t>
+            </a:r>
+            <a:endParaRPr lang="en-US" baseline="0" dirty="0" smtClean="0"/>
+          </a:p>
+          <a:p>
+            <a:pPr marL="171450" marR="0" lvl="0" indent="-171450" algn="l" defTabSz="457200" rtl="0" eaLnBrk="1" fontAlgn="auto" latinLnBrk="0" hangingPunct="1">
+              <a:lnSpc>
+                <a:spcPct val="100000"/>
+              </a:lnSpc>
+              <a:spcBef>
+                <a:spcPts val="0"/>
+              </a:spcBef>
+              <a:spcAft>
+                <a:spcPts val="0"/>
+              </a:spcAft>
+              <a:buClrTx/>
+              <a:buSzTx/>
+              <a:buFont typeface="Arial"/>
+              <a:buChar char="•"/>
+              <a:tabLst/>
+              <a:defRPr/>
+            </a:pPr>
+            <a:r>
+              <a:rPr lang="en-US" baseline="0" dirty="0" smtClean="0"/>
+              <a:t>Spring Cloud Data Flow allows a user to create a message-driven </a:t>
+            </a:r>
+            <a:r>
+              <a:rPr lang="en-US" baseline="0" dirty="0" err="1" smtClean="0"/>
+              <a:t>microservice</a:t>
+            </a:r>
+            <a:r>
+              <a:rPr lang="en-US" baseline="0" dirty="0" smtClean="0"/>
+              <a:t> app that can handle streaming data via a simple DSL or Drag and Drop UI.</a:t>
+            </a:r>
+          </a:p>
+          <a:p>
+            <a:pPr marL="171450" marR="0" lvl="0" indent="-171450" algn="l" defTabSz="457200" rtl="0" eaLnBrk="1" fontAlgn="auto" latinLnBrk="0" hangingPunct="1">
+              <a:lnSpc>
+                <a:spcPct val="100000"/>
+              </a:lnSpc>
+              <a:spcBef>
+                <a:spcPts val="0"/>
+              </a:spcBef>
+              <a:spcAft>
+                <a:spcPts val="0"/>
+              </a:spcAft>
+              <a:buClrTx/>
+              <a:buSzTx/>
+              <a:buFont typeface="Arial"/>
+              <a:buChar char="•"/>
+              <a:tabLst/>
+              <a:defRPr/>
+            </a:pPr>
+            <a:r>
+              <a:rPr lang="en-US" baseline="0" dirty="0" smtClean="0"/>
+              <a:t>These streams allow you to do the following on data flowing through the pipeline:</a:t>
+            </a:r>
+          </a:p>
+          <a:p>
+            <a:pPr marL="628650" marR="0" lvl="1" indent="-171450" algn="l" defTabSz="457200" rtl="0" eaLnBrk="1" fontAlgn="auto" latinLnBrk="0" hangingPunct="1">
+              <a:lnSpc>
+                <a:spcPct val="100000"/>
+              </a:lnSpc>
+              <a:spcBef>
+                <a:spcPts val="0"/>
+              </a:spcBef>
+              <a:spcAft>
+                <a:spcPts val="0"/>
+              </a:spcAft>
+              <a:buClrTx/>
+              <a:buSzTx/>
+              <a:buFont typeface="Arial"/>
+              <a:buChar char="•"/>
+              <a:tabLst/>
+              <a:defRPr/>
+            </a:pPr>
+            <a:r>
+              <a:rPr lang="en-US" baseline="0" dirty="0" smtClean="0"/>
+              <a:t>Filter</a:t>
+            </a:r>
+          </a:p>
+          <a:p>
+            <a:pPr marL="628650" marR="0" lvl="1" indent="-171450" algn="l" defTabSz="457200" rtl="0" eaLnBrk="1" fontAlgn="auto" latinLnBrk="0" hangingPunct="1">
+              <a:lnSpc>
+                <a:spcPct val="100000"/>
+              </a:lnSpc>
+              <a:spcBef>
+                <a:spcPts val="0"/>
+              </a:spcBef>
+              <a:spcAft>
+                <a:spcPts val="0"/>
+              </a:spcAft>
+              <a:buClrTx/>
+              <a:buSzTx/>
+              <a:buFont typeface="Arial"/>
+              <a:buChar char="•"/>
+              <a:tabLst/>
+              <a:defRPr/>
+            </a:pPr>
+            <a:r>
+              <a:rPr lang="en-US" baseline="0" dirty="0" smtClean="0"/>
+              <a:t>Transform</a:t>
+            </a:r>
+          </a:p>
+          <a:p>
+            <a:pPr marL="628650" marR="0" lvl="1" indent="-171450" algn="l" defTabSz="457200" rtl="0" eaLnBrk="1" fontAlgn="auto" latinLnBrk="0" hangingPunct="1">
+              <a:lnSpc>
+                <a:spcPct val="100000"/>
+              </a:lnSpc>
+              <a:spcBef>
+                <a:spcPts val="0"/>
+              </a:spcBef>
+              <a:spcAft>
+                <a:spcPts val="0"/>
+              </a:spcAft>
+              <a:buClrTx/>
+              <a:buSzTx/>
+              <a:buFont typeface="Arial"/>
+              <a:buChar char="•"/>
+              <a:tabLst/>
+              <a:defRPr/>
+            </a:pPr>
+            <a:r>
+              <a:rPr lang="en-US" baseline="0" dirty="0" smtClean="0"/>
+              <a:t>Enrich</a:t>
+            </a:r>
+          </a:p>
+          <a:p>
+            <a:pPr marL="628650" marR="0" lvl="1" indent="-171450" algn="l" defTabSz="457200" rtl="0" eaLnBrk="1" fontAlgn="auto" latinLnBrk="0" hangingPunct="1">
+              <a:lnSpc>
+                <a:spcPct val="100000"/>
+              </a:lnSpc>
+              <a:spcBef>
+                <a:spcPts val="0"/>
+              </a:spcBef>
+              <a:spcAft>
+                <a:spcPts val="0"/>
+              </a:spcAft>
+              <a:buClrTx/>
+              <a:buSzTx/>
+              <a:buFont typeface="Arial"/>
+              <a:buChar char="•"/>
+              <a:tabLst/>
+              <a:defRPr/>
+            </a:pPr>
+            <a:r>
+              <a:rPr lang="en-US" baseline="0" dirty="0" smtClean="0"/>
+              <a:t>Run analytics </a:t>
+            </a:r>
+          </a:p>
+          <a:p>
+            <a:pPr marL="628650" marR="0" lvl="1" indent="-171450" algn="l" defTabSz="457200" rtl="0" eaLnBrk="1" fontAlgn="auto" latinLnBrk="0" hangingPunct="1">
+              <a:lnSpc>
+                <a:spcPct val="100000"/>
+              </a:lnSpc>
+              <a:spcBef>
+                <a:spcPts val="0"/>
+              </a:spcBef>
+              <a:spcAft>
+                <a:spcPts val="0"/>
+              </a:spcAft>
+              <a:buClrTx/>
+              <a:buSzTx/>
+              <a:buFont typeface="Arial"/>
+              <a:buChar char="•"/>
+              <a:tabLst/>
+              <a:defRPr/>
+            </a:pPr>
+            <a:r>
+              <a:rPr lang="en-US" baseline="0" dirty="0" smtClean="0"/>
+              <a:t>Store</a:t>
+            </a:r>
+          </a:p>
+          <a:p>
+            <a:pPr marL="628650" marR="0" lvl="1" indent="-171450" algn="l" defTabSz="457200" rtl="0" eaLnBrk="1" fontAlgn="auto" latinLnBrk="0" hangingPunct="1">
+              <a:lnSpc>
+                <a:spcPct val="100000"/>
+              </a:lnSpc>
+              <a:spcBef>
+                <a:spcPts val="0"/>
+              </a:spcBef>
+              <a:spcAft>
+                <a:spcPts val="0"/>
+              </a:spcAft>
+              <a:buClrTx/>
+              <a:buSzTx/>
+              <a:buFont typeface="Arial"/>
+              <a:buChar char="•"/>
+              <a:tabLst/>
+              <a:defRPr/>
+            </a:pPr>
+            <a:r>
+              <a:rPr lang="en-US" baseline="0" dirty="0" smtClean="0"/>
+              <a:t>Transmit to other destinations</a:t>
+            </a:r>
+          </a:p>
+          <a:p>
+            <a:pPr marL="628650" marR="0" lvl="1" indent="-171450" algn="l" defTabSz="457200" rtl="0" eaLnBrk="1" fontAlgn="auto" latinLnBrk="0" hangingPunct="1">
+              <a:lnSpc>
+                <a:spcPct val="100000"/>
+              </a:lnSpc>
+              <a:spcBef>
+                <a:spcPts val="0"/>
+              </a:spcBef>
+              <a:spcAft>
+                <a:spcPts val="0"/>
+              </a:spcAft>
+              <a:buClrTx/>
+              <a:buSzTx/>
+              <a:buFont typeface="Arial"/>
+              <a:buChar char="•"/>
+              <a:tabLst/>
+              <a:defRPr/>
+            </a:pPr>
+            <a:r>
+              <a:rPr lang="en-US" baseline="0" dirty="0" smtClean="0"/>
+              <a:t>Etc.</a:t>
+            </a:r>
+          </a:p>
+          <a:p>
+            <a:pPr marL="171450" marR="0" lvl="0" indent="-171450" algn="l" defTabSz="457200" rtl="0" eaLnBrk="1" fontAlgn="auto" latinLnBrk="0" hangingPunct="1">
+              <a:lnSpc>
+                <a:spcPct val="100000"/>
+              </a:lnSpc>
+              <a:spcBef>
+                <a:spcPts val="0"/>
+              </a:spcBef>
+              <a:spcAft>
+                <a:spcPts val="0"/>
+              </a:spcAft>
+              <a:buClrTx/>
+              <a:buSzTx/>
+              <a:buFont typeface="Arial"/>
+              <a:buChar char="•"/>
+              <a:tabLst/>
+              <a:defRPr/>
+            </a:pPr>
+            <a:r>
+              <a:rPr lang="en-US" baseline="0" dirty="0" smtClean="0"/>
+              <a:t>Spring Cloud Data Flow streams are built on Spring Cloud Stream and we will be discussing the features that Spring Cloud Stream brings later </a:t>
+            </a:r>
+          </a:p>
+          <a:p>
             <a:endParaRPr lang="en-US" dirty="0"/>
           </a:p>
         </p:txBody>
@@ -1296,7 +1650,281 @@
     </p:spTree>
     <p:extLst>
       <p:ext uri="{BB962C8B-B14F-4D97-AF65-F5344CB8AC3E}">
-        <p14:creationId xmlns:p14="http://schemas.microsoft.com/office/powerpoint/2010/main" val="2973803801"/>
+        <p14:creationId xmlns:p14="http://schemas.microsoft.com/office/powerpoint/2010/main" val="3568722659"/>
+      </p:ext>
+    </p:extLst>
+  </p:cSld>
+  <p:clrMapOvr>
+    <a:masterClrMapping/>
+  </p:clrMapOvr>
+</p:notes>
+</file>
+
+<file path=ppt/notesSlides/notesSlide8.xml><?xml version="1.0" encoding="utf-8"?>
+<p:notes xmlns:a="http://schemas.openxmlformats.org/drawingml/2006/main" xmlns:r="http://schemas.openxmlformats.org/officeDocument/2006/relationships" xmlns:p="http://schemas.openxmlformats.org/presentationml/2006/main">
+  <p:cSld>
+    <p:spTree>
+      <p:nvGrpSpPr>
+        <p:cNvPr id="1" name=""/>
+        <p:cNvGrpSpPr/>
+        <p:nvPr/>
+      </p:nvGrpSpPr>
+      <p:grpSpPr>
+        <a:xfrm>
+          <a:off x="0" y="0"/>
+          <a:ext cx="0" cy="0"/>
+          <a:chOff x="0" y="0"/>
+          <a:chExt cx="0" cy="0"/>
+        </a:xfrm>
+      </p:grpSpPr>
+      <p:sp>
+        <p:nvSpPr>
+          <p:cNvPr id="2" name="Slide Image Placeholder 1"/>
+          <p:cNvSpPr>
+            <a:spLocks noGrp="1" noRot="1" noChangeAspect="1"/>
+          </p:cNvSpPr>
+          <p:nvPr>
+            <p:ph type="sldImg"/>
+          </p:nvPr>
+        </p:nvSpPr>
+        <p:spPr/>
+      </p:sp>
+      <p:sp>
+        <p:nvSpPr>
+          <p:cNvPr id="3" name="Notes Placeholder 2"/>
+          <p:cNvSpPr>
+            <a:spLocks noGrp="1"/>
+          </p:cNvSpPr>
+          <p:nvPr>
+            <p:ph type="body" idx="1"/>
+          </p:nvPr>
+        </p:nvSpPr>
+        <p:spPr/>
+        <p:txBody>
+          <a:bodyPr/>
+          <a:lstStyle/>
+          <a:p>
+            <a:pPr marL="171450" indent="-171450">
+              <a:buFont typeface="Arial"/>
+              <a:buChar char="•"/>
+            </a:pPr>
+            <a:r>
+              <a:rPr lang="en-US" dirty="0" smtClean="0"/>
+              <a:t>Tasks are</a:t>
+            </a:r>
+            <a:r>
+              <a:rPr lang="en-US" baseline="0" dirty="0" smtClean="0"/>
+              <a:t> s</a:t>
+            </a:r>
+            <a:r>
+              <a:rPr lang="en-US" dirty="0" smtClean="0"/>
+              <a:t>hort lived </a:t>
+            </a:r>
+            <a:r>
+              <a:rPr lang="en-US" dirty="0" err="1" smtClean="0"/>
+              <a:t>microservices</a:t>
+            </a:r>
+            <a:r>
+              <a:rPr lang="en-US" dirty="0" smtClean="0"/>
+              <a:t> using Spring Cloud and run them locally, in the cloud, even on Spring Cloud Data Flow</a:t>
+            </a:r>
+          </a:p>
+          <a:p>
+            <a:pPr marL="628650" lvl="1" indent="-171450">
+              <a:buFontTx/>
+              <a:buChar char="•"/>
+            </a:pPr>
+            <a:r>
+              <a:rPr lang="en-US" dirty="0" smtClean="0"/>
+              <a:t>Spring</a:t>
+            </a:r>
+            <a:r>
+              <a:rPr lang="en-US" baseline="0" dirty="0" smtClean="0"/>
+              <a:t> Boot Application</a:t>
+            </a:r>
+          </a:p>
+          <a:p>
+            <a:pPr marL="628650" lvl="1" indent="-171450">
+              <a:buFontTx/>
+              <a:buChar char="•"/>
+            </a:pPr>
+            <a:r>
+              <a:rPr lang="en-US" baseline="0" dirty="0" smtClean="0"/>
+              <a:t>Spring Batch Application</a:t>
+            </a:r>
+          </a:p>
+          <a:p>
+            <a:pPr marL="171450" lvl="0" indent="-171450">
+              <a:buFontTx/>
+              <a:buChar char="•"/>
+            </a:pPr>
+            <a:r>
+              <a:rPr lang="en-US" baseline="0" dirty="0" smtClean="0"/>
+              <a:t>Spring Cloud Data Flow tasks are built on Spring Cloud task and we will be discussing the features that spring cloud task brings later </a:t>
+            </a:r>
+          </a:p>
+          <a:p>
+            <a:pPr marL="171450" lvl="0" indent="-171450">
+              <a:buFontTx/>
+              <a:buChar char="•"/>
+            </a:pPr>
+            <a:endParaRPr lang="en-US" baseline="0" dirty="0" smtClean="0"/>
+          </a:p>
+          <a:p>
+            <a:pPr marL="171450" lvl="0" indent="-171450">
+              <a:buFontTx/>
+              <a:buChar char="•"/>
+            </a:pPr>
+            <a:endParaRPr lang="en-US" baseline="0" dirty="0" smtClean="0"/>
+          </a:p>
+          <a:p>
+            <a:pPr marL="0" lvl="0" indent="0">
+              <a:buFontTx/>
+              <a:buNone/>
+            </a:pPr>
+            <a:r>
+              <a:rPr lang="en-US" baseline="0" dirty="0" smtClean="0"/>
+              <a:t>Image by: https://</a:t>
+            </a:r>
+            <a:r>
+              <a:rPr lang="en-US" baseline="0" dirty="0" err="1" smtClean="0"/>
+              <a:t>flic.kr</a:t>
+            </a:r>
+            <a:r>
+              <a:rPr lang="en-US" baseline="0" dirty="0" smtClean="0"/>
+              <a:t>/p/</a:t>
+            </a:r>
+            <a:r>
+              <a:rPr lang="en-US" baseline="0" dirty="0" err="1" smtClean="0"/>
+              <a:t>caQnoh</a:t>
+            </a:r>
+            <a:endParaRPr lang="en-US" baseline="0" dirty="0" smtClean="0"/>
+          </a:p>
+        </p:txBody>
+      </p:sp>
+      <p:sp>
+        <p:nvSpPr>
+          <p:cNvPr id="4" name="Slide Number Placeholder 3"/>
+          <p:cNvSpPr>
+            <a:spLocks noGrp="1"/>
+          </p:cNvSpPr>
+          <p:nvPr>
+            <p:ph type="sldNum" sz="quarter" idx="10"/>
+          </p:nvPr>
+        </p:nvSpPr>
+        <p:spPr/>
+        <p:txBody>
+          <a:bodyPr/>
+          <a:lstStyle/>
+          <a:p>
+            <a:fld id="{DA765515-78EA-FC49-92FD-C2B2AD3B0AF8}" type="slidenum">
+              <a:rPr lang="en-US" smtClean="0"/>
+              <a:t>11</a:t>
+            </a:fld>
+            <a:endParaRPr lang="en-US"/>
+          </a:p>
+        </p:txBody>
+      </p:sp>
+    </p:spTree>
+    <p:extLst>
+      <p:ext uri="{BB962C8B-B14F-4D97-AF65-F5344CB8AC3E}">
+        <p14:creationId xmlns:p14="http://schemas.microsoft.com/office/powerpoint/2010/main" val="3568722659"/>
+      </p:ext>
+    </p:extLst>
+  </p:cSld>
+  <p:clrMapOvr>
+    <a:masterClrMapping/>
+  </p:clrMapOvr>
+</p:notes>
+</file>
+
+<file path=ppt/notesSlides/notesSlide9.xml><?xml version="1.0" encoding="utf-8"?>
+<p:notes xmlns:a="http://schemas.openxmlformats.org/drawingml/2006/main" xmlns:r="http://schemas.openxmlformats.org/officeDocument/2006/relationships" xmlns:p="http://schemas.openxmlformats.org/presentationml/2006/main">
+  <p:cSld>
+    <p:spTree>
+      <p:nvGrpSpPr>
+        <p:cNvPr id="1" name=""/>
+        <p:cNvGrpSpPr/>
+        <p:nvPr/>
+      </p:nvGrpSpPr>
+      <p:grpSpPr>
+        <a:xfrm>
+          <a:off x="0" y="0"/>
+          <a:ext cx="0" cy="0"/>
+          <a:chOff x="0" y="0"/>
+          <a:chExt cx="0" cy="0"/>
+        </a:xfrm>
+      </p:grpSpPr>
+      <p:sp>
+        <p:nvSpPr>
+          <p:cNvPr id="2" name="Slide Image Placeholder 1"/>
+          <p:cNvSpPr>
+            <a:spLocks noGrp="1" noRot="1" noChangeAspect="1"/>
+          </p:cNvSpPr>
+          <p:nvPr>
+            <p:ph type="sldImg"/>
+          </p:nvPr>
+        </p:nvSpPr>
+        <p:spPr/>
+      </p:sp>
+      <p:sp>
+        <p:nvSpPr>
+          <p:cNvPr id="3" name="Notes Placeholder 2"/>
+          <p:cNvSpPr>
+            <a:spLocks noGrp="1"/>
+          </p:cNvSpPr>
+          <p:nvPr>
+            <p:ph type="body" idx="1"/>
+          </p:nvPr>
+        </p:nvSpPr>
+        <p:spPr/>
+        <p:txBody>
+          <a:bodyPr/>
+          <a:lstStyle/>
+          <a:p>
+            <a:r>
+              <a:rPr lang="en-US" dirty="0" smtClean="0"/>
+              <a:t>https://</a:t>
+            </a:r>
+            <a:r>
+              <a:rPr lang="en-US" dirty="0" err="1" smtClean="0"/>
+              <a:t>github.com</a:t>
+            </a:r>
+            <a:r>
+              <a:rPr lang="en-US" smtClean="0"/>
+              <a:t>/spring-cloud/spring-cloud-dataflow-samples/tree/master/analytics/twitter-analytics</a:t>
+            </a:r>
+            <a:endParaRPr lang="en-US"/>
+          </a:p>
+        </p:txBody>
+      </p:sp>
+      <p:sp>
+        <p:nvSpPr>
+          <p:cNvPr id="4" name="Slide Number Placeholder 3"/>
+          <p:cNvSpPr>
+            <a:spLocks noGrp="1"/>
+          </p:cNvSpPr>
+          <p:nvPr>
+            <p:ph type="sldNum" sz="quarter" idx="10"/>
+          </p:nvPr>
+        </p:nvSpPr>
+        <p:spPr/>
+        <p:txBody>
+          <a:bodyPr/>
+          <a:lstStyle/>
+          <a:p>
+            <a:fld id="{DA765515-78EA-FC49-92FD-C2B2AD3B0AF8}" type="slidenum">
+              <a:rPr lang="en-US" smtClean="0"/>
+              <a:t>12</a:t>
+            </a:fld>
+            <a:endParaRPr lang="en-US"/>
+          </a:p>
+        </p:txBody>
+      </p:sp>
+    </p:spTree>
+    <p:extLst>
+      <p:ext uri="{BB962C8B-B14F-4D97-AF65-F5344CB8AC3E}">
+        <p14:creationId xmlns:p14="http://schemas.microsoft.com/office/powerpoint/2010/main" val="2968331785"/>
       </p:ext>
     </p:extLst>
   </p:cSld>
@@ -1487,7 +2115,7 @@
           <a:p>
             <a:fld id="{A0F14C12-9A4C-934B-9D9C-101FBCEF21CF}" type="datetimeFigureOut">
               <a:rPr lang="en-US" smtClean="0"/>
-              <a:t>12/30/16</a:t>
+              <a:t>1/2/17</a:t>
             </a:fld>
             <a:endParaRPr lang="en-US"/>
           </a:p>
@@ -1657,7 +2285,7 @@
           <a:p>
             <a:fld id="{A0F14C12-9A4C-934B-9D9C-101FBCEF21CF}" type="datetimeFigureOut">
               <a:rPr lang="en-US" smtClean="0"/>
-              <a:t>12/30/16</a:t>
+              <a:t>1/2/17</a:t>
             </a:fld>
             <a:endParaRPr lang="en-US"/>
           </a:p>
@@ -1837,7 +2465,7 @@
           <a:p>
             <a:fld id="{A0F14C12-9A4C-934B-9D9C-101FBCEF21CF}" type="datetimeFigureOut">
               <a:rPr lang="en-US" smtClean="0"/>
-              <a:t>12/30/16</a:t>
+              <a:t>1/2/17</a:t>
             </a:fld>
             <a:endParaRPr lang="en-US"/>
           </a:p>
@@ -2007,7 +2635,7 @@
           <a:p>
             <a:fld id="{A0F14C12-9A4C-934B-9D9C-101FBCEF21CF}" type="datetimeFigureOut">
               <a:rPr lang="en-US" smtClean="0"/>
-              <a:t>12/30/16</a:t>
+              <a:t>1/2/17</a:t>
             </a:fld>
             <a:endParaRPr lang="en-US"/>
           </a:p>
@@ -2253,7 +2881,7 @@
           <a:p>
             <a:fld id="{A0F14C12-9A4C-934B-9D9C-101FBCEF21CF}" type="datetimeFigureOut">
               <a:rPr lang="en-US" smtClean="0"/>
-              <a:t>12/30/16</a:t>
+              <a:t>1/2/17</a:t>
             </a:fld>
             <a:endParaRPr lang="en-US"/>
           </a:p>
@@ -2541,7 +3169,7 @@
           <a:p>
             <a:fld id="{A0F14C12-9A4C-934B-9D9C-101FBCEF21CF}" type="datetimeFigureOut">
               <a:rPr lang="en-US" smtClean="0"/>
-              <a:t>12/30/16</a:t>
+              <a:t>1/2/17</a:t>
             </a:fld>
             <a:endParaRPr lang="en-US"/>
           </a:p>
@@ -2963,7 +3591,7 @@
           <a:p>
             <a:fld id="{A0F14C12-9A4C-934B-9D9C-101FBCEF21CF}" type="datetimeFigureOut">
               <a:rPr lang="en-US" smtClean="0"/>
-              <a:t>12/30/16</a:t>
+              <a:t>1/2/17</a:t>
             </a:fld>
             <a:endParaRPr lang="en-US"/>
           </a:p>
@@ -3081,7 +3709,7 @@
           <a:p>
             <a:fld id="{A0F14C12-9A4C-934B-9D9C-101FBCEF21CF}" type="datetimeFigureOut">
               <a:rPr lang="en-US" smtClean="0"/>
-              <a:t>12/30/16</a:t>
+              <a:t>1/2/17</a:t>
             </a:fld>
             <a:endParaRPr lang="en-US"/>
           </a:p>
@@ -3176,7 +3804,7 @@
           <a:p>
             <a:fld id="{A0F14C12-9A4C-934B-9D9C-101FBCEF21CF}" type="datetimeFigureOut">
               <a:rPr lang="en-US" smtClean="0"/>
-              <a:t>12/30/16</a:t>
+              <a:t>1/2/17</a:t>
             </a:fld>
             <a:endParaRPr lang="en-US"/>
           </a:p>
@@ -3453,7 +4081,7 @@
           <a:p>
             <a:fld id="{A0F14C12-9A4C-934B-9D9C-101FBCEF21CF}" type="datetimeFigureOut">
               <a:rPr lang="en-US" smtClean="0"/>
-              <a:t>12/30/16</a:t>
+              <a:t>1/2/17</a:t>
             </a:fld>
             <a:endParaRPr lang="en-US"/>
           </a:p>
@@ -3706,7 +4334,7 @@
           <a:p>
             <a:fld id="{A0F14C12-9A4C-934B-9D9C-101FBCEF21CF}" type="datetimeFigureOut">
               <a:rPr lang="en-US" smtClean="0"/>
-              <a:t>12/30/16</a:t>
+              <a:t>1/2/17</a:t>
             </a:fld>
             <a:endParaRPr lang="en-US"/>
           </a:p>
@@ -3919,7 +4547,7 @@
           <a:p>
             <a:fld id="{A0F14C12-9A4C-934B-9D9C-101FBCEF21CF}" type="datetimeFigureOut">
               <a:rPr lang="en-US" smtClean="0"/>
-              <a:t>12/30/16</a:t>
+              <a:t>1/2/17</a:t>
             </a:fld>
             <a:endParaRPr lang="en-US"/>
           </a:p>
@@ -4361,6 +4989,19 @@
 <file path=ppt/slides/slide10.xml><?xml version="1.0" encoding="utf-8"?>
 <p:sld xmlns:a="http://schemas.openxmlformats.org/drawingml/2006/main" xmlns:r="http://schemas.openxmlformats.org/officeDocument/2006/relationships" xmlns:p="http://schemas.openxmlformats.org/presentationml/2006/main">
   <p:cSld>
+    <p:bg>
+      <p:bgPr>
+        <a:blipFill rotWithShape="1">
+          <a:blip r:embed="rId3">
+            <a:alphaModFix amt="46000"/>
+          </a:blip>
+          <a:stretch>
+            <a:fillRect/>
+          </a:stretch>
+        </a:blipFill>
+        <a:effectLst/>
+      </p:bgPr>
+    </p:bg>
     <p:spTree>
       <p:nvGrpSpPr>
         <p:cNvPr id="1" name=""/>
@@ -4377,6 +5018,47 @@
       </p:grpSpPr>
       <p:sp>
         <p:nvSpPr>
+          <p:cNvPr id="4" name="Right Arrow 3"/>
+          <p:cNvSpPr/>
+          <p:nvPr/>
+        </p:nvSpPr>
+        <p:spPr>
+          <a:xfrm>
+            <a:off x="0" y="3936927"/>
+            <a:ext cx="5607329" cy="2942757"/>
+          </a:xfrm>
+          <a:prstGeom prst="rightArrow">
+            <a:avLst/>
+          </a:prstGeom>
+          <a:solidFill>
+            <a:srgbClr val="008000"/>
+          </a:solidFill>
+        </p:spPr>
+        <p:style>
+          <a:lnRef idx="1">
+            <a:schemeClr val="accent1"/>
+          </a:lnRef>
+          <a:fillRef idx="3">
+            <a:schemeClr val="accent1"/>
+          </a:fillRef>
+          <a:effectRef idx="2">
+            <a:schemeClr val="accent1"/>
+          </a:effectRef>
+          <a:fontRef idx="minor">
+            <a:schemeClr val="lt1"/>
+          </a:fontRef>
+        </p:style>
+        <p:txBody>
+          <a:bodyPr rtlCol="0" anchor="ctr"/>
+          <a:lstStyle/>
+          <a:p>
+            <a:pPr algn="ctr"/>
+            <a:endParaRPr lang="en-US"/>
+          </a:p>
+        </p:txBody>
+      </p:sp>
+      <p:sp>
+        <p:nvSpPr>
           <p:cNvPr id="2" name="Title 1"/>
           <p:cNvSpPr>
             <a:spLocks noGrp="1"/>
@@ -4385,42 +5067,119 @@
             <p:ph type="title"/>
           </p:nvPr>
         </p:nvSpPr>
-        <p:spPr/>
-        <p:txBody>
-          <a:bodyPr/>
-          <a:lstStyle/>
-          <a:p>
-            <a:r>
-              <a:rPr lang="en-US" dirty="0" smtClean="0"/>
-              <a:t>What are Streams</a:t>
-            </a:r>
-            <a:endParaRPr lang="en-US" dirty="0"/>
+        <p:spPr>
+          <a:xfrm>
+            <a:off x="-2261888" y="4725343"/>
+            <a:ext cx="8229600" cy="1143000"/>
+          </a:xfrm>
+        </p:spPr>
+        <p:txBody>
+          <a:bodyPr>
+            <a:normAutofit/>
+          </a:bodyPr>
+          <a:lstStyle/>
+          <a:p>
+            <a:r>
+              <a:rPr lang="en-US" sz="6600" b="1" dirty="0" smtClean="0">
+                <a:solidFill>
+                  <a:srgbClr val="FFFFFF"/>
+                </a:solidFill>
+              </a:rPr>
+              <a:t>Streams		</a:t>
+            </a:r>
+            <a:endParaRPr lang="en-US" sz="6600" b="1" dirty="0">
+              <a:solidFill>
+                <a:srgbClr val="FFFFFF"/>
+              </a:solidFill>
+            </a:endParaRPr>
+          </a:p>
+        </p:txBody>
+      </p:sp>
+      <p:sp>
+        <p:nvSpPr>
+          <p:cNvPr id="7" name="TextBox 6"/>
+          <p:cNvSpPr txBox="1"/>
+          <p:nvPr/>
+        </p:nvSpPr>
+        <p:spPr>
+          <a:xfrm>
+            <a:off x="6472074" y="135100"/>
+            <a:ext cx="2292546" cy="707886"/>
+          </a:xfrm>
+          <a:prstGeom prst="rect">
+            <a:avLst/>
+          </a:prstGeom>
+          <a:solidFill>
+            <a:schemeClr val="tx1"/>
+          </a:solidFill>
+        </p:spPr>
+        <p:txBody>
+          <a:bodyPr wrap="square" rtlCol="0">
+            <a:spAutoFit/>
+          </a:bodyPr>
+          <a:lstStyle/>
+          <a:p>
+            <a:r>
+              <a:rPr lang="en-US" sz="4000" dirty="0" smtClean="0">
+                <a:solidFill>
+                  <a:srgbClr val="FFFFFF"/>
+                </a:solidFill>
+              </a:rPr>
+              <a:t>http </a:t>
+            </a:r>
+            <a:r>
+              <a:rPr lang="en-US" sz="4000" dirty="0" smtClean="0">
+                <a:solidFill>
+                  <a:srgbClr val="008000"/>
+                </a:solidFill>
+              </a:rPr>
+              <a:t>|</a:t>
+            </a:r>
+            <a:r>
+              <a:rPr lang="en-US" sz="4000" dirty="0" smtClean="0">
+                <a:solidFill>
+                  <a:srgbClr val="FFFFFF"/>
+                </a:solidFill>
+              </a:rPr>
+              <a:t> log</a:t>
+            </a:r>
+            <a:endParaRPr lang="en-US" sz="4000" dirty="0">
+              <a:solidFill>
+                <a:srgbClr val="FFFFFF"/>
+              </a:solidFill>
+            </a:endParaRPr>
           </a:p>
         </p:txBody>
       </p:sp>
     </p:spTree>
     <p:extLst>
       <p:ext uri="{BB962C8B-B14F-4D97-AF65-F5344CB8AC3E}">
-        <p14:creationId xmlns:p14="http://schemas.microsoft.com/office/powerpoint/2010/main" val="3913415044"/>
+        <p14:creationId xmlns:p14="http://schemas.microsoft.com/office/powerpoint/2010/main" val="3097431368"/>
       </p:ext>
     </p:extLst>
   </p:cSld>
   <p:clrMapOvr>
     <a:masterClrMapping/>
   </p:clrMapOvr>
-  <p:timing>
-    <p:tnLst>
-      <p:par>
-        <p:cTn xmlns:p14="http://schemas.microsoft.com/office/powerpoint/2010/main" id="1" dur="indefinite" restart="never" nodeType="tmRoot"/>
-      </p:par>
-    </p:tnLst>
-  </p:timing>
 </p:sld>
 </file>
 
 <file path=ppt/slides/slide11.xml><?xml version="1.0" encoding="utf-8"?>
 <p:sld xmlns:a="http://schemas.openxmlformats.org/drawingml/2006/main" xmlns:r="http://schemas.openxmlformats.org/officeDocument/2006/relationships" xmlns:p="http://schemas.openxmlformats.org/presentationml/2006/main">
   <p:cSld>
+    <p:bg>
+      <p:bgPr>
+        <a:blipFill rotWithShape="1">
+          <a:blip r:embed="rId3">
+            <a:alphaModFix amt="46000"/>
+          </a:blip>
+          <a:stretch>
+            <a:fillRect/>
+          </a:stretch>
+        </a:blipFill>
+        <a:effectLst/>
+      </p:bgPr>
+    </p:bg>
     <p:spTree>
       <p:nvGrpSpPr>
         <p:cNvPr id="1" name=""/>
@@ -4437,44 +5196,179 @@
       </p:grpSpPr>
       <p:sp>
         <p:nvSpPr>
-          <p:cNvPr id="2" name="Title 1"/>
-          <p:cNvSpPr>
-            <a:spLocks noGrp="1"/>
-          </p:cNvSpPr>
-          <p:nvPr>
-            <p:ph type="title"/>
-          </p:nvPr>
-        </p:nvSpPr>
-        <p:spPr/>
-        <p:txBody>
-          <a:bodyPr>
-            <a:normAutofit fontScale="90000"/>
+          <p:cNvPr id="5" name="Chevron 4"/>
+          <p:cNvSpPr/>
+          <p:nvPr/>
+        </p:nvSpPr>
+        <p:spPr>
+          <a:xfrm>
+            <a:off x="0" y="4665672"/>
+            <a:ext cx="3666111" cy="1584378"/>
+          </a:xfrm>
+          <a:prstGeom prst="chevron">
+            <a:avLst/>
+          </a:prstGeom>
+          <a:solidFill>
+            <a:srgbClr val="008000"/>
+          </a:solidFill>
+        </p:spPr>
+        <p:style>
+          <a:lnRef idx="1">
+            <a:schemeClr val="accent1"/>
+          </a:lnRef>
+          <a:fillRef idx="3">
+            <a:schemeClr val="accent1"/>
+          </a:fillRef>
+          <a:effectRef idx="2">
+            <a:schemeClr val="accent1"/>
+          </a:effectRef>
+          <a:fontRef idx="minor">
+            <a:schemeClr val="lt1"/>
+          </a:fontRef>
+        </p:style>
+        <p:txBody>
+          <a:bodyPr rtlCol="0" anchor="ctr"/>
+          <a:lstStyle/>
+          <a:p>
+            <a:pPr algn="ctr"/>
+            <a:endParaRPr lang="en-US">
+              <a:solidFill>
+                <a:schemeClr val="tx1"/>
+              </a:solidFill>
+            </a:endParaRPr>
+          </a:p>
+        </p:txBody>
+      </p:sp>
+      <p:sp>
+        <p:nvSpPr>
+          <p:cNvPr id="6" name="Title 1"/>
+          <p:cNvSpPr txBox="1">
+            <a:spLocks/>
+          </p:cNvSpPr>
+          <p:nvPr/>
+        </p:nvSpPr>
+        <p:spPr>
+          <a:xfrm>
+            <a:off x="-2261888" y="4810483"/>
+            <a:ext cx="8229600" cy="1143000"/>
+          </a:xfrm>
+          <a:prstGeom prst="rect">
+            <a:avLst/>
+          </a:prstGeom>
+        </p:spPr>
+        <p:txBody>
+          <a:bodyPr vert="horz" lIns="91440" tIns="45720" rIns="91440" bIns="45720" rtlCol="0" anchor="ctr">
+            <a:normAutofit/>
           </a:bodyPr>
-          <a:lstStyle/>
-          <a:p>
-            <a:r>
-              <a:rPr lang="en-US" dirty="0" smtClean="0"/>
+          <a:lstStyle>
+            <a:lvl1pPr algn="ctr" defTabSz="457200" rtl="0" eaLnBrk="1" latinLnBrk="0" hangingPunct="1">
+              <a:spcBef>
+                <a:spcPct val="0"/>
+              </a:spcBef>
+              <a:buNone/>
+              <a:defRPr sz="4400" kern="1200">
+                <a:solidFill>
+                  <a:schemeClr val="tx1"/>
+                </a:solidFill>
+                <a:latin typeface="+mj-lt"/>
+                <a:ea typeface="+mj-ea"/>
+                <a:cs typeface="+mj-cs"/>
+              </a:defRPr>
+            </a:lvl1pPr>
+          </a:lstStyle>
+          <a:p>
+            <a:r>
+              <a:rPr lang="en-US" sz="6600" b="1" dirty="0" smtClean="0">
+                <a:solidFill>
+                  <a:srgbClr val="FFFFFF"/>
+                </a:solidFill>
+              </a:rPr>
               <a:t>Tasks</a:t>
             </a:r>
-            <a:br>
-              <a:rPr lang="en-US" dirty="0" smtClean="0"/>
-            </a:br>
-            <a:r>
-              <a:rPr lang="mr-IN" dirty="0" smtClean="0"/>
-              <a:t>…</a:t>
-            </a:r>
-            <a:r>
-              <a:rPr lang="en-US" dirty="0" smtClean="0"/>
-              <a:t> Who needs tasks?</a:t>
-            </a:r>
-            <a:endParaRPr lang="en-US" dirty="0"/>
+            <a:endParaRPr lang="en-US" sz="6600" b="1" dirty="0">
+              <a:solidFill>
+                <a:srgbClr val="FFFFFF"/>
+              </a:solidFill>
+            </a:endParaRPr>
+          </a:p>
+        </p:txBody>
+      </p:sp>
+      <p:sp>
+        <p:nvSpPr>
+          <p:cNvPr id="7" name="TextBox 6"/>
+          <p:cNvSpPr txBox="1"/>
+          <p:nvPr/>
+        </p:nvSpPr>
+        <p:spPr>
+          <a:xfrm>
+            <a:off x="4310212" y="135100"/>
+            <a:ext cx="4454408" cy="707886"/>
+          </a:xfrm>
+          <a:prstGeom prst="rect">
+            <a:avLst/>
+          </a:prstGeom>
+          <a:solidFill>
+            <a:schemeClr val="tx1"/>
+          </a:solidFill>
+        </p:spPr>
+        <p:txBody>
+          <a:bodyPr wrap="square" rtlCol="0">
+            <a:spAutoFit/>
+          </a:bodyPr>
+          <a:lstStyle/>
+          <a:p>
+            <a:r>
+              <a:rPr lang="en-US" sz="4000" dirty="0" smtClean="0">
+                <a:solidFill>
+                  <a:srgbClr val="008000"/>
+                </a:solidFill>
+              </a:rPr>
+              <a:t>task</a:t>
+            </a:r>
+            <a:r>
+              <a:rPr lang="en-US" sz="4000" dirty="0" smtClean="0">
+                <a:solidFill>
+                  <a:srgbClr val="FFFFFF"/>
+                </a:solidFill>
+              </a:rPr>
+              <a:t> </a:t>
+            </a:r>
+            <a:r>
+              <a:rPr lang="en-US" sz="4000" dirty="0" smtClean="0">
+                <a:solidFill>
+                  <a:srgbClr val="008000"/>
+                </a:solidFill>
+              </a:rPr>
+              <a:t>launch</a:t>
+            </a:r>
+            <a:r>
+              <a:rPr lang="en-US" sz="4000" dirty="0" smtClean="0">
+                <a:solidFill>
+                  <a:srgbClr val="FFFFFF"/>
+                </a:solidFill>
+              </a:rPr>
+              <a:t> </a:t>
+            </a:r>
+            <a:r>
+              <a:rPr lang="en-US" sz="4000" dirty="0" err="1" smtClean="0">
+                <a:solidFill>
+                  <a:srgbClr val="FFFFFF"/>
+                </a:solidFill>
+              </a:rPr>
+              <a:t>jdbchdfs</a:t>
+            </a:r>
+            <a:endParaRPr lang="en-US" sz="4000" dirty="0">
+              <a:solidFill>
+                <a:srgbClr val="FFFFFF"/>
+              </a:solidFill>
+            </a:endParaRPr>
           </a:p>
         </p:txBody>
       </p:sp>
     </p:spTree>
     <p:extLst>
       <p:ext uri="{BB962C8B-B14F-4D97-AF65-F5344CB8AC3E}">
-        <p14:creationId xmlns:p14="http://schemas.microsoft.com/office/powerpoint/2010/main" val="3097431368"/>
+        <p14:creationId xmlns:p14="http://schemas.microsoft.com/office/powerpoint/2010/main" val="1467650231"/>
       </p:ext>
     </p:extLst>
   </p:cSld>
@@ -4487,6 +5381,19 @@
 <file path=ppt/slides/slide12.xml><?xml version="1.0" encoding="utf-8"?>
 <p:sld xmlns:a="http://schemas.openxmlformats.org/drawingml/2006/main" xmlns:r="http://schemas.openxmlformats.org/officeDocument/2006/relationships" xmlns:p="http://schemas.openxmlformats.org/presentationml/2006/main">
   <p:cSld>
+    <p:bg>
+      <p:bgPr>
+        <a:blipFill rotWithShape="1">
+          <a:blip r:embed="rId3">
+            <a:alphaModFix amt="34000"/>
+          </a:blip>
+          <a:stretch>
+            <a:fillRect/>
+          </a:stretch>
+        </a:blipFill>
+        <a:effectLst/>
+      </p:bgPr>
+    </p:bg>
     <p:spTree>
       <p:nvGrpSpPr>
         <p:cNvPr id="1" name=""/>
@@ -4503,6 +5410,47 @@
       </p:grpSpPr>
       <p:sp>
         <p:nvSpPr>
+          <p:cNvPr id="4" name="Right Triangle 3"/>
+          <p:cNvSpPr/>
+          <p:nvPr/>
+        </p:nvSpPr>
+        <p:spPr>
+          <a:xfrm>
+            <a:off x="0" y="1"/>
+            <a:ext cx="5742446" cy="6857999"/>
+          </a:xfrm>
+          <a:prstGeom prst="rtTriangle">
+            <a:avLst/>
+          </a:prstGeom>
+          <a:solidFill>
+            <a:srgbClr val="008000"/>
+          </a:solidFill>
+        </p:spPr>
+        <p:style>
+          <a:lnRef idx="1">
+            <a:schemeClr val="accent1"/>
+          </a:lnRef>
+          <a:fillRef idx="3">
+            <a:schemeClr val="accent1"/>
+          </a:fillRef>
+          <a:effectRef idx="2">
+            <a:schemeClr val="accent1"/>
+          </a:effectRef>
+          <a:fontRef idx="minor">
+            <a:schemeClr val="lt1"/>
+          </a:fontRef>
+        </p:style>
+        <p:txBody>
+          <a:bodyPr rtlCol="0" anchor="ctr"/>
+          <a:lstStyle/>
+          <a:p>
+            <a:pPr algn="ctr"/>
+            <a:endParaRPr lang="en-US"/>
+          </a:p>
+        </p:txBody>
+      </p:sp>
+      <p:sp>
+        <p:nvSpPr>
           <p:cNvPr id="2" name="Title 1"/>
           <p:cNvSpPr>
             <a:spLocks noGrp="1"/>
@@ -4511,35 +5459,31 @@
             <p:ph type="title"/>
           </p:nvPr>
         </p:nvSpPr>
-        <p:spPr/>
-        <p:txBody>
-          <a:bodyPr/>
-          <a:lstStyle/>
-          <a:p>
-            <a:r>
-              <a:rPr lang="en-US" dirty="0" smtClean="0"/>
-              <a:t>Demo</a:t>
-            </a:r>
-            <a:endParaRPr lang="en-US" dirty="0"/>
-          </a:p>
-        </p:txBody>
-      </p:sp>
-      <p:sp>
-        <p:nvSpPr>
-          <p:cNvPr id="3" name="Content Placeholder 2"/>
-          <p:cNvSpPr>
-            <a:spLocks noGrp="1"/>
-          </p:cNvSpPr>
-          <p:nvPr>
-            <p:ph idx="1"/>
-          </p:nvPr>
-        </p:nvSpPr>
-        <p:spPr/>
-        <p:txBody>
-          <a:bodyPr/>
-          <a:lstStyle/>
-          <a:p>
-            <a:endParaRPr lang="en-US"/>
+        <p:spPr>
+          <a:xfrm>
+            <a:off x="-2096499" y="4665379"/>
+            <a:ext cx="8229600" cy="1143000"/>
+          </a:xfrm>
+        </p:spPr>
+        <p:txBody>
+          <a:bodyPr>
+            <a:normAutofit/>
+          </a:bodyPr>
+          <a:lstStyle/>
+          <a:p>
+            <a:r>
+              <a:rPr lang="en-US" sz="6600" dirty="0" smtClean="0">
+                <a:solidFill>
+                  <a:srgbClr val="FFFFFF"/>
+                </a:solidFill>
+              </a:rPr>
+              <a:t>Demo Time</a:t>
+            </a:r>
+            <a:endParaRPr lang="en-US" sz="6600" dirty="0">
+              <a:solidFill>
+                <a:srgbClr val="FFFFFF"/>
+              </a:solidFill>
+            </a:endParaRPr>
           </a:p>
         </p:txBody>
       </p:sp>
@@ -4595,7 +5539,7 @@
         <p:spPr>
           <a:xfrm>
             <a:off x="0" y="0"/>
-            <a:ext cx="6561983" cy="6858000"/>
+            <a:ext cx="7944842" cy="6858000"/>
           </a:xfrm>
           <a:prstGeom prst="rtTriangle">
             <a:avLst/>
@@ -4629,29 +5573,6 @@
       </p:sp>
       <p:sp>
         <p:nvSpPr>
-          <p:cNvPr id="2" name="Title 1"/>
-          <p:cNvSpPr>
-            <a:spLocks noGrp="1"/>
-          </p:cNvSpPr>
-          <p:nvPr>
-            <p:ph type="title"/>
-          </p:nvPr>
-        </p:nvSpPr>
-        <p:spPr/>
-        <p:txBody>
-          <a:bodyPr/>
-          <a:lstStyle/>
-          <a:p>
-            <a:r>
-              <a:rPr lang="en-US" b="1" dirty="0" smtClean="0"/>
-              <a:t>Logistics</a:t>
-            </a:r>
-            <a:endParaRPr lang="en-US" b="1" dirty="0"/>
-          </a:p>
-        </p:txBody>
-      </p:sp>
-      <p:sp>
-        <p:nvSpPr>
           <p:cNvPr id="3" name="Content Placeholder 2"/>
           <p:cNvSpPr>
             <a:spLocks noGrp="1"/>
@@ -4668,7 +5589,7 @@
         </p:spPr>
         <p:txBody>
           <a:bodyPr>
-            <a:normAutofit/>
+            <a:normAutofit fontScale="77500" lnSpcReduction="20000"/>
           </a:bodyPr>
           <a:lstStyle/>
           <a:p>
@@ -4676,17 +5597,46 @@
               <a:buNone/>
             </a:pPr>
             <a:r>
-              <a:rPr lang="en-US" sz="4000" b="1" dirty="0" smtClean="0"/>
-              <a:t>		Facilities</a:t>
-            </a:r>
+              <a:rPr lang="en-US" sz="6600" b="1" dirty="0" smtClean="0">
+                <a:solidFill>
+                  <a:schemeClr val="bg1"/>
+                </a:solidFill>
+              </a:rPr>
+              <a:t>Facilities</a:t>
+            </a:r>
+            <a:endParaRPr lang="en-US" sz="6600" b="1" dirty="0" smtClean="0">
+              <a:solidFill>
+                <a:schemeClr val="bg1"/>
+              </a:solidFill>
+            </a:endParaRPr>
           </a:p>
           <a:p>
             <a:pPr marL="0" indent="0">
               <a:buNone/>
             </a:pPr>
             <a:r>
-              <a:rPr lang="en-US" sz="4000" b="1" dirty="0" smtClean="0"/>
-              <a:t>	Coffee: 10:30</a:t>
+              <a:rPr lang="en-US" sz="6600" b="1" dirty="0" smtClean="0">
+                <a:solidFill>
+                  <a:schemeClr val="bg1"/>
+                </a:solidFill>
+              </a:rPr>
+              <a:t>	Coffee</a:t>
+            </a:r>
+            <a:r>
+              <a:rPr lang="en-US" sz="6600" b="1" dirty="0" smtClean="0">
+                <a:solidFill>
+                  <a:schemeClr val="bg1"/>
+                </a:solidFill>
+              </a:rPr>
+              <a:t>: </a:t>
+            </a:r>
+            <a:r>
+              <a:rPr lang="en-US" sz="6600" b="1" dirty="0" smtClean="0">
+                <a:solidFill>
+                  <a:srgbClr val="0000FF"/>
+                </a:solidFill>
+              </a:rPr>
+              <a:t>10:30</a:t>
             </a:r>
           </a:p>
           <a:p>
@@ -4694,8 +5644,36 @@
               <a:buNone/>
             </a:pPr>
             <a:r>
-              <a:rPr lang="en-US" sz="4000" b="1" dirty="0" smtClean="0"/>
-              <a:t>			Lunch: 12:00</a:t>
+              <a:rPr lang="en-US" sz="6600" b="1" dirty="0" smtClean="0">
+                <a:solidFill>
+                  <a:schemeClr val="bg1"/>
+                </a:solidFill>
+              </a:rPr>
+              <a:t>		</a:t>
+            </a:r>
+            <a:r>
+              <a:rPr lang="en-US" sz="6600" b="1" dirty="0" smtClean="0">
+                <a:solidFill>
+                  <a:schemeClr val="bg1"/>
+                </a:solidFill>
+              </a:rPr>
+              <a:t>Lunch</a:t>
+            </a:r>
+            <a:r>
+              <a:rPr lang="en-US" sz="6600" b="1" dirty="0" smtClean="0">
+                <a:solidFill>
+                  <a:schemeClr val="bg1"/>
+                </a:solidFill>
+              </a:rPr>
+              <a:t>: </a:t>
+            </a:r>
+            <a:r>
+              <a:rPr lang="en-US" sz="6600" b="1" dirty="0" smtClean="0">
+                <a:solidFill>
+                  <a:srgbClr val="0000FF"/>
+                </a:solidFill>
+              </a:rPr>
+              <a:t>12:00</a:t>
             </a:r>
           </a:p>
           <a:p>
@@ -4703,8 +5681,28 @@
               <a:buNone/>
             </a:pPr>
             <a:r>
-              <a:rPr lang="en-US" sz="4000" b="1" dirty="0" smtClean="0"/>
-              <a:t>				    Coffee 2:30</a:t>
+              <a:rPr lang="en-US" sz="6600" b="1" dirty="0" smtClean="0">
+                <a:solidFill>
+                  <a:schemeClr val="bg1"/>
+                </a:solidFill>
+              </a:rPr>
+              <a:t>				  </a:t>
+            </a:r>
+            <a:r>
+              <a:rPr lang="en-US" sz="6600" b="1" dirty="0" smtClean="0">
+                <a:solidFill>
+                  <a:schemeClr val="bg1"/>
+                </a:solidFill>
+              </a:rPr>
+              <a:t>Coffee </a:t>
+            </a:r>
+            <a:r>
+              <a:rPr lang="en-US" sz="6600" b="1" dirty="0" smtClean="0">
+                <a:solidFill>
+                  <a:srgbClr val="0000FF"/>
+                </a:solidFill>
+              </a:rPr>
+              <a:t>2:30</a:t>
             </a:r>
           </a:p>
           <a:p>
@@ -5661,6 +6659,14 @@
 <file path=ppt/slides/slide8.xml><?xml version="1.0" encoding="utf-8"?>
 <p:sld xmlns:a="http://schemas.openxmlformats.org/drawingml/2006/main" xmlns:r="http://schemas.openxmlformats.org/officeDocument/2006/relationships" xmlns:p="http://schemas.openxmlformats.org/presentationml/2006/main">
   <p:cSld>
+    <p:bg>
+      <p:bgPr>
+        <a:solidFill>
+          <a:schemeClr val="tx1"/>
+        </a:solidFill>
+        <a:effectLst/>
+      </p:bgPr>
+    </p:bg>
     <p:spTree>
       <p:nvGrpSpPr>
         <p:cNvPr id="1" name=""/>
@@ -5693,29 +6699,57 @@
           <a:lstStyle/>
           <a:p>
             <a:r>
-              <a:rPr lang="en-US" dirty="0"/>
+              <a:rPr lang="en-US" dirty="0">
+                <a:solidFill>
+                  <a:schemeClr val="bg1"/>
+                </a:solidFill>
+              </a:rPr>
               <a:t> </a:t>
             </a:r>
             <a:r>
-              <a:rPr lang="en-US" dirty="0" smtClean="0"/>
+              <a:rPr lang="en-US" dirty="0" smtClean="0">
+                <a:solidFill>
+                  <a:schemeClr val="bg1"/>
+                </a:solidFill>
+              </a:rPr>
               <a:t>“is </a:t>
             </a:r>
             <a:r>
-              <a:rPr lang="en-US" dirty="0"/>
+              <a:rPr lang="en-US" dirty="0">
+                <a:solidFill>
+                  <a:schemeClr val="bg1"/>
+                </a:solidFill>
+              </a:rPr>
               <a:t>an approach to developing a single application as a suite of small </a:t>
             </a:r>
             <a:r>
-              <a:rPr lang="en-US" dirty="0" smtClean="0"/>
+              <a:rPr lang="en-US" dirty="0" smtClean="0">
+                <a:solidFill>
+                  <a:schemeClr val="bg1"/>
+                </a:solidFill>
+              </a:rPr>
               <a:t>services”</a:t>
             </a:r>
             <a:br>
-              <a:rPr lang="en-US" dirty="0" smtClean="0"/>
+              <a:rPr lang="en-US" dirty="0" smtClean="0">
+                <a:solidFill>
+                  <a:schemeClr val="bg1"/>
+                </a:solidFill>
+              </a:rPr>
             </a:br>
             <a:r>
-              <a:rPr lang="en-US" dirty="0" smtClean="0"/>
+              <a:rPr lang="en-US" dirty="0" smtClean="0">
+                <a:solidFill>
+                  <a:schemeClr val="bg1"/>
+                </a:solidFill>
+              </a:rPr>
               <a:t>--Martin Fowler</a:t>
             </a:r>
-            <a:endParaRPr lang="en-US" dirty="0"/>
+            <a:endParaRPr lang="en-US" dirty="0">
+              <a:solidFill>
+                <a:schemeClr val="bg1"/>
+              </a:solidFill>
+            </a:endParaRPr>
           </a:p>
         </p:txBody>
       </p:sp>
@@ -5796,6 +6830,14 @@
 <file path=ppt/slides/slide9.xml><?xml version="1.0" encoding="utf-8"?>
 <p:sld xmlns:a="http://schemas.openxmlformats.org/drawingml/2006/main" xmlns:r="http://schemas.openxmlformats.org/officeDocument/2006/relationships" xmlns:p="http://schemas.openxmlformats.org/presentationml/2006/main">
   <p:cSld>
+    <p:bg>
+      <p:bgPr>
+        <a:solidFill>
+          <a:schemeClr val="tx1"/>
+        </a:solidFill>
+        <a:effectLst/>
+      </p:bgPr>
+    </p:bg>
     <p:spTree>
       <p:nvGrpSpPr>
         <p:cNvPr id="1" name=""/>
@@ -5832,44 +6874,18 @@
         </p:blipFill>
         <p:spPr>
           <a:xfrm>
-            <a:off x="820666" y="663401"/>
-            <a:ext cx="4788773" cy="5052376"/>
+            <a:off x="2522790" y="768153"/>
+            <a:ext cx="3783306" cy="3991562"/>
           </a:xfrm>
           <a:prstGeom prst="rect">
             <a:avLst/>
           </a:prstGeom>
-          <a:solidFill>
-            <a:srgbClr val="FFFFFF">
-              <a:shade val="85000"/>
-            </a:srgbClr>
-          </a:solidFill>
-          <a:ln w="190500" cap="sq">
-            <a:solidFill>
-              <a:srgbClr val="FFFFFF"/>
-            </a:solidFill>
-            <a:miter lim="800000"/>
+          <a:ln>
+            <a:noFill/>
           </a:ln>
           <a:effectLst>
-            <a:outerShdw blurRad="65000" dist="50800" dir="12900000" kx="195000" ky="145000" algn="tl" rotWithShape="0">
-              <a:srgbClr val="000000">
-                <a:alpha val="30000"/>
-              </a:srgbClr>
-            </a:outerShdw>
+            <a:softEdge rad="112500"/>
           </a:effectLst>
-          <a:scene3d>
-            <a:camera prst="orthographicFront">
-              <a:rot lat="0" lon="0" rev="360000"/>
-            </a:camera>
-            <a:lightRig rig="twoPt" dir="t">
-              <a:rot lat="0" lon="0" rev="7200000"/>
-            </a:lightRig>
-          </a:scene3d>
-          <a:sp3d contourW="12700">
-            <a:bevelT w="25400" h="19050"/>
-            <a:contourClr>
-              <a:srgbClr val="969696"/>
-            </a:contourClr>
-          </a:sp3d>
         </p:spPr>
       </p:pic>
       <p:pic>
@@ -5894,7 +6910,7 @@
         </p:blipFill>
         <p:spPr>
           <a:xfrm>
-            <a:off x="4603972" y="3552910"/>
+            <a:off x="6306096" y="4024295"/>
             <a:ext cx="2341831" cy="2603854"/>
           </a:xfrm>
           <a:prstGeom prst="rect">
@@ -5911,9 +6927,9 @@
           </a:ln>
           <a:effectLst>
             <a:outerShdw blurRad="65000" dist="50800" dir="12900000" kx="195000" ky="145000" algn="tl" rotWithShape="0">
-              <a:srgbClr val="000000">
-                <a:alpha val="30000"/>
-              </a:srgbClr>
+              <a:schemeClr val="bg1">
+                <a:alpha val="82000"/>
+              </a:schemeClr>
             </a:outerShdw>
           </a:effectLst>
           <a:scene3d>
@@ -5939,8 +6955,8 @@
           <p:nvPr/>
         </p:nvSpPr>
         <p:spPr>
-          <a:xfrm rot="21322188">
-            <a:off x="5064469" y="3906134"/>
+          <a:xfrm rot="21249560">
+            <a:off x="6773734" y="4390613"/>
             <a:ext cx="1441420" cy="1754327"/>
           </a:xfrm>
           <a:prstGeom prst="rect">

--- a/presentations/DNdataflowIntro.pptx
+++ b/presentations/DNdataflowIntro.pptx
@@ -1891,10 +1891,10 @@
               <a:t>github.com</a:t>
             </a:r>
             <a:r>
-              <a:rPr lang="en-US" smtClean="0"/>
+              <a:rPr lang="en-US" dirty="0" smtClean="0"/>
               <a:t>/spring-cloud/spring-cloud-dataflow-samples/tree/master/analytics/twitter-analytics</a:t>
             </a:r>
-            <a:endParaRPr lang="en-US"/>
+            <a:endParaRPr lang="en-US" dirty="0"/>
           </a:p>
         </p:txBody>
       </p:sp>
